--- a/Car_tools_presentation_and_documentation/CAR TOOLS.pptx
+++ b/Car_tools_presentation_and_documentation/CAR TOOLS.pptx
@@ -113,6 +113,11 @@
       </a:defRPr>
     </a:lvl9pPr>
   </p:defaultTextStyle>
+  <p:extLst>
+    <p:ext uri="{EFAFB233-063F-42B5-8137-9DF3F51BA10A}">
+      <p15:sldGuideLst xmlns:p15="http://schemas.microsoft.com/office/powerpoint/2012/main"/>
+    </p:ext>
+  </p:extLst>
 </p:presentation>
 </file>
 
@@ -2533,13 +2538,13 @@
   <p:clrMapOvr>
     <a:masterClrMapping/>
   </p:clrMapOvr>
-  <mc:AlternateContent xmlns:mc="http://schemas.openxmlformats.org/markup-compatibility/2006">
-    <mc:Choice xmlns:p14="http://schemas.microsoft.com/office/powerpoint/2010/main" Requires="p14">
+  <mc:AlternateContent xmlns:mc="http://schemas.openxmlformats.org/markup-compatibility/2006" xmlns:p14="http://schemas.microsoft.com/office/powerpoint/2010/main">
+    <mc:Choice Requires="p14">
       <p:transition spd="slow" p14:dur="3900">
         <p14:glitter pattern="hexagon"/>
       </p:transition>
     </mc:Choice>
-    <mc:Fallback>
+    <mc:Fallback xmlns="">
       <p:transition spd="slow">
         <p:fade/>
       </p:transition>
@@ -2906,13 +2911,13 @@
   <p:clrMapOvr>
     <a:masterClrMapping/>
   </p:clrMapOvr>
-  <mc:AlternateContent xmlns:mc="http://schemas.openxmlformats.org/markup-compatibility/2006">
-    <mc:Choice xmlns:p14="http://schemas.microsoft.com/office/powerpoint/2010/main" Requires="p14">
+  <mc:AlternateContent xmlns:mc="http://schemas.openxmlformats.org/markup-compatibility/2006" xmlns:p14="http://schemas.microsoft.com/office/powerpoint/2010/main">
+    <mc:Choice Requires="p14">
       <p:transition spd="slow" p14:dur="3000">
         <p14:shred/>
       </p:transition>
     </mc:Choice>
-    <mc:Fallback>
+    <mc:Fallback xmlns="">
       <p:transition spd="slow">
         <p:fade/>
       </p:transition>
@@ -3759,13 +3764,13 @@
   <p:clrMapOvr>
     <a:masterClrMapping/>
   </p:clrMapOvr>
-  <mc:AlternateContent xmlns:mc="http://schemas.openxmlformats.org/markup-compatibility/2006">
-    <mc:Choice xmlns:p14="http://schemas.microsoft.com/office/powerpoint/2010/main" Requires="p14">
+  <mc:AlternateContent xmlns:mc="http://schemas.openxmlformats.org/markup-compatibility/2006" xmlns:p14="http://schemas.microsoft.com/office/powerpoint/2010/main">
+    <mc:Choice Requires="p14">
       <p:transition spd="slow" p14:dur="1250">
         <p14:flip dir="r"/>
       </p:transition>
     </mc:Choice>
-    <mc:Fallback>
+    <mc:Fallback xmlns="">
       <p:transition spd="slow">
         <p:fade/>
       </p:transition>
@@ -4119,13 +4124,13 @@
   <p:clrMapOvr>
     <a:masterClrMapping/>
   </p:clrMapOvr>
-  <mc:AlternateContent xmlns:mc="http://schemas.openxmlformats.org/markup-compatibility/2006">
-    <mc:Choice xmlns:p14="http://schemas.microsoft.com/office/powerpoint/2010/main" Requires="p14">
+  <mc:AlternateContent xmlns:mc="http://schemas.openxmlformats.org/markup-compatibility/2006" xmlns:p14="http://schemas.microsoft.com/office/powerpoint/2010/main">
+    <mc:Choice Requires="p14">
       <p:transition spd="slow" p14:dur="1600">
         <p14:conveyor dir="l"/>
       </p:transition>
     </mc:Choice>
-    <mc:Fallback>
+    <mc:Fallback xmlns="">
       <p:transition spd="slow">
         <p:fade/>
       </p:transition>
@@ -4543,13 +4548,13 @@
   <p:clrMapOvr>
     <a:masterClrMapping/>
   </p:clrMapOvr>
-  <mc:AlternateContent xmlns:mc="http://schemas.openxmlformats.org/markup-compatibility/2006">
-    <mc:Choice xmlns:p14="http://schemas.microsoft.com/office/powerpoint/2010/main" Requires="p14">
+  <mc:AlternateContent xmlns:mc="http://schemas.openxmlformats.org/markup-compatibility/2006" xmlns:p14="http://schemas.microsoft.com/office/powerpoint/2010/main">
+    <mc:Choice Requires="p14">
       <p:transition spd="slow" p14:dur="4400">
         <p14:honeycomb/>
       </p:transition>
     </mc:Choice>
-    <mc:Fallback>
+    <mc:Fallback xmlns="">
       <p:transition spd="slow">
         <p:fade/>
       </p:transition>
@@ -5748,13 +5753,13 @@
   <p:clrMapOvr>
     <a:masterClrMapping/>
   </p:clrMapOvr>
-  <mc:AlternateContent xmlns:mc="http://schemas.openxmlformats.org/markup-compatibility/2006">
-    <mc:Choice xmlns:p14="http://schemas.microsoft.com/office/powerpoint/2010/main" Requires="p14">
+  <mc:AlternateContent xmlns:mc="http://schemas.openxmlformats.org/markup-compatibility/2006" xmlns:p14="http://schemas.microsoft.com/office/powerpoint/2010/main">
+    <mc:Choice Requires="p14">
       <p:transition spd="slow" p14:dur="1600">
         <p14:prism isContent="1" isInverted="1"/>
       </p:transition>
     </mc:Choice>
-    <mc:Fallback>
+    <mc:Fallback xmlns="">
       <p:transition spd="slow">
         <p:fade/>
       </p:transition>
@@ -8745,13 +8750,13 @@
   <p:clrMapOvr>
     <a:masterClrMapping/>
   </p:clrMapOvr>
-  <mc:AlternateContent xmlns:mc="http://schemas.openxmlformats.org/markup-compatibility/2006">
-    <mc:Choice xmlns:p14="http://schemas.microsoft.com/office/powerpoint/2010/main" Requires="p14">
+  <mc:AlternateContent xmlns:mc="http://schemas.openxmlformats.org/markup-compatibility/2006" xmlns:p14="http://schemas.microsoft.com/office/powerpoint/2010/main">
+    <mc:Choice Requires="p14">
       <p:transition spd="slow" p14:dur="1300">
         <p14:pan dir="u"/>
       </p:transition>
     </mc:Choice>
-    <mc:Fallback>
+    <mc:Fallback xmlns="">
       <p:transition spd="slow">
         <p:fade/>
       </p:transition>
@@ -9011,8 +9016,8 @@
         </p:nvSpPr>
         <p:spPr>
           <a:xfrm>
-            <a:off x="550864" y="549275"/>
-            <a:ext cx="5545136" cy="5224452"/>
+            <a:off x="275431" y="1444009"/>
+            <a:ext cx="7308849" cy="3969979"/>
           </a:xfrm>
         </p:spPr>
         <p:txBody>
@@ -9123,13 +9128,13 @@
   <p:clrMapOvr>
     <a:masterClrMapping/>
   </p:clrMapOvr>
-  <mc:AlternateContent xmlns:mc="http://schemas.openxmlformats.org/markup-compatibility/2006">
-    <mc:Choice xmlns:p15="http://schemas.microsoft.com/office/powerpoint/2012/main" Requires="p15">
+  <mc:AlternateContent xmlns:mc="http://schemas.openxmlformats.org/markup-compatibility/2006" xmlns:p15="http://schemas.microsoft.com/office/powerpoint/2012/main">
+    <mc:Choice Requires="p15">
       <p:transition xmlns:p14="http://schemas.microsoft.com/office/powerpoint/2010/main" spd="slow" p14:dur="3250">
         <p15:prstTrans prst="origami"/>
       </p:transition>
     </mc:Choice>
-    <mc:Fallback>
+    <mc:Fallback xmlns="">
       <p:transition spd="slow">
         <p:fade/>
       </p:transition>
@@ -9416,13 +9421,13 @@
   <p:clrMapOvr>
     <a:masterClrMapping/>
   </p:clrMapOvr>
-  <mc:AlternateContent xmlns:mc="http://schemas.openxmlformats.org/markup-compatibility/2006">
-    <mc:Choice xmlns:p15="http://schemas.microsoft.com/office/powerpoint/2012/main" Requires="p15">
+  <mc:AlternateContent xmlns:mc="http://schemas.openxmlformats.org/markup-compatibility/2006" xmlns:p15="http://schemas.microsoft.com/office/powerpoint/2012/main">
+    <mc:Choice Requires="p15">
       <p:transition xmlns:p14="http://schemas.microsoft.com/office/powerpoint/2010/main" spd="slow" p14:dur="1250">
         <p15:prstTrans prst="airplane"/>
       </p:transition>
     </mc:Choice>
-    <mc:Fallback>
+    <mc:Fallback xmlns="">
       <p:transition spd="slow">
         <p:fade/>
       </p:transition>
@@ -10791,13 +10796,13 @@
   <p:clrMapOvr>
     <a:masterClrMapping/>
   </p:clrMapOvr>
-  <mc:AlternateContent xmlns:mc="http://schemas.openxmlformats.org/markup-compatibility/2006">
-    <mc:Choice xmlns:p15="http://schemas.microsoft.com/office/powerpoint/2012/main" Requires="p15">
+  <mc:AlternateContent xmlns:mc="http://schemas.openxmlformats.org/markup-compatibility/2006" xmlns:p15="http://schemas.microsoft.com/office/powerpoint/2012/main">
+    <mc:Choice Requires="p15">
       <p:transition xmlns:p14="http://schemas.microsoft.com/office/powerpoint/2010/main" spd="slow" p14:dur="1250">
         <p15:prstTrans prst="pageCurlDouble"/>
       </p:transition>
     </mc:Choice>
-    <mc:Fallback>
+    <mc:Fallback xmlns="">
       <p:transition spd="slow">
         <p:fade/>
       </p:transition>

--- a/Car_tools_presentation_and_documentation/CAR TOOLS.pptx
+++ b/Car_tools_presentation_and_documentation/CAR TOOLS.pptx
@@ -3167,27 +3167,7 @@
                   </a:schemeClr>
                 </a:solidFill>
               </a:rPr>
-              <a:t>, сензор за </a:t>
-            </a:r>
-            <a:r>
-              <a:rPr lang="bg-BG" sz="1600" dirty="0" err="1">
-                <a:solidFill>
-                  <a:schemeClr val="tx1">
-                    <a:alpha val="60000"/>
-                  </a:schemeClr>
-                </a:solidFill>
-              </a:rPr>
-              <a:t>изтичне</a:t>
-            </a:r>
-            <a:r>
-              <a:rPr lang="bg-BG" sz="1600" dirty="0">
-                <a:solidFill>
-                  <a:schemeClr val="tx1">
-                    <a:alpha val="60000"/>
-                  </a:schemeClr>
-                </a:solidFill>
-              </a:rPr>
-              <a:t> на газ и датчик за температура на двигателя. Комуникацията с потребителя се извършва по изключително удобен начин, а именно чрез </a:t>
+              <a:t>, сензор за изтичане на газ и датчик за температура на двигателя. Комуникацията с потребителя се извършва по изключително удобен начин, а именно чрез </a:t>
             </a:r>
             <a:r>
               <a:rPr lang="en-US" sz="1600" dirty="0">
@@ -5137,13 +5117,17 @@
           <a:lstStyle/>
           <a:p>
             <a:r>
-              <a:rPr lang="bg-BG" sz="4800"/>
-              <a:t>Ардуино модел</a:t>
+              <a:rPr lang="bg-BG" sz="4800" dirty="0" err="1"/>
+              <a:t>Ардуино</a:t>
+            </a:r>
+            <a:r>
+              <a:rPr lang="bg-BG" sz="4800" dirty="0"/>
+              <a:t> модел</a:t>
             </a:r>
             <a:br>
-              <a:rPr lang="bg-BG" sz="4800"/>
+              <a:rPr lang="bg-BG" sz="4800" dirty="0"/>
             </a:br>
-            <a:endParaRPr lang="bg-BG" sz="4800"/>
+            <a:endParaRPr lang="bg-BG" sz="4800" dirty="0"/>
           </a:p>
         </p:txBody>
       </p:sp>
@@ -5665,18 +5649,18 @@
           <a:lstStyle/>
           <a:p>
             <a:r>
-              <a:rPr lang="bg-BG" sz="2000">
+              <a:rPr lang="bg-BG" sz="2000" dirty="0">
                 <a:solidFill>
                   <a:schemeClr val="tx1">
                     <a:alpha val="60000"/>
                   </a:schemeClr>
                 </a:solidFill>
               </a:rPr>
-              <a:t>Този модел показва реално функциониращ ардуино модел. Изготвен по вече представената електрическа схема.</a:t>
+              <a:t>Този модел показва реално функциониращ прототип. Изготвен по вече представената електрическа схема.</a:t>
             </a:r>
           </a:p>
           <a:p>
-            <a:endParaRPr lang="bg-BG" sz="2000">
+            <a:endParaRPr lang="bg-BG" sz="2000" dirty="0">
               <a:solidFill>
                 <a:schemeClr val="tx1">
                   <a:alpha val="60000"/>

--- a/Car_tools_presentation_and_documentation/CAR TOOLS.pptx
+++ b/Car_tools_presentation_and_documentation/CAR TOOLS.pptx
@@ -6001,7 +6001,7 @@
           <p:nvPr>
             <p:extLst>
               <p:ext uri="{D42A27DB-BD31-4B8C-83A1-F6EECF244321}">
-                <p14:modId xmlns:p14="http://schemas.microsoft.com/office/powerpoint/2010/main" val="1421115719"/>
+                <p14:modId xmlns:p14="http://schemas.microsoft.com/office/powerpoint/2010/main" val="598575813"/>
               </p:ext>
             </p:extLst>
           </p:nvPr>
@@ -6358,21 +6358,12 @@
                             </a:schemeClr>
                           </a:solidFill>
                           <a:effectLst/>
+                          <a:latin typeface="Century Gothic" panose="020B0502020202020204" pitchFamily="34" charset="0"/>
+                          <a:ea typeface="Times New Roman" panose="02020603050405020304" pitchFamily="18" charset="0"/>
+                          <a:cs typeface="Times New Roman" panose="02020603050405020304" pitchFamily="18" charset="0"/>
                         </a:rPr>
-                        <a:t>2</a:t>
+                        <a:t>1</a:t>
                       </a:r>
-                      <a:endParaRPr lang="bg-BG" sz="900" b="1">
-                        <a:solidFill>
-                          <a:schemeClr val="tx1">
-                            <a:lumMod val="75000"/>
-                            <a:lumOff val="25000"/>
-                          </a:schemeClr>
-                        </a:solidFill>
-                        <a:effectLst/>
-                        <a:latin typeface="Century Gothic" panose="020B0502020202020204" pitchFamily="34" charset="0"/>
-                        <a:ea typeface="Times New Roman" panose="02020603050405020304" pitchFamily="18" charset="0"/>
-                        <a:cs typeface="Times New Roman" panose="02020603050405020304" pitchFamily="18" charset="0"/>
-                      </a:endParaRPr>
                     </a:p>
                   </a:txBody>
                   <a:tcPr marL="153548" marR="79845" marT="79845" marB="79845">
@@ -6421,7 +6412,7 @@
                         </a:tabLst>
                       </a:pPr>
                       <a:r>
-                        <a:rPr lang="en-US" sz="900">
+                        <a:rPr lang="en-US" sz="900" dirty="0">
                           <a:solidFill>
                             <a:schemeClr val="tx1">
                               <a:lumMod val="75000"/>
@@ -6433,7 +6424,7 @@
                         <a:t>10kΩ</a:t>
                       </a:r>
                       <a:r>
-                        <a:rPr lang="bg-BG" sz="900">
+                        <a:rPr lang="bg-BG" sz="900" dirty="0">
                           <a:solidFill>
                             <a:schemeClr val="tx1">
                               <a:lumMod val="75000"/>
@@ -6442,9 +6433,21 @@
                           </a:solidFill>
                           <a:effectLst/>
                         </a:rPr>
-                        <a:t> Потенциометър</a:t>
+                        <a:t> </a:t>
                       </a:r>
-                      <a:endParaRPr lang="bg-BG" sz="900">
+                      <a:r>
+                        <a:rPr lang="bg-BG" sz="900" dirty="0" err="1">
+                          <a:solidFill>
+                            <a:schemeClr val="tx1">
+                              <a:lumMod val="75000"/>
+                              <a:lumOff val="25000"/>
+                            </a:schemeClr>
+                          </a:solidFill>
+                          <a:effectLst/>
+                        </a:rPr>
+                        <a:t>Потенциометър</a:t>
+                      </a:r>
+                      <a:endParaRPr lang="bg-BG" sz="900" dirty="0">
                         <a:solidFill>
                           <a:schemeClr val="tx1">
                             <a:lumMod val="75000"/>
